--- a/Prezentace/PGM_algoritmy k procvičení.pptx
+++ b/Prezentace/PGM_algoritmy k procvičení.pptx
@@ -866,7 +866,7 @@
             <a:fld id="{B61BEF0D-F0BB-DE4B-95CE-6DB70DBA9567}" type="datetimeFigureOut">
               <a:rPr lang="en-US" dirty="0"/>
               <a:pPr/>
-              <a:t>9/12/2020</a:t>
+              <a:t>10/12/2020</a:t>
             </a:fld>
             <a:endParaRPr lang="en-US" dirty="0"/>
           </a:p>
@@ -1114,7 +1114,7 @@
             <a:fld id="{B61BEF0D-F0BB-DE4B-95CE-6DB70DBA9567}" type="datetimeFigureOut">
               <a:rPr lang="en-US" dirty="0"/>
               <a:pPr/>
-              <a:t>9/12/2020</a:t>
+              <a:t>10/12/2020</a:t>
             </a:fld>
             <a:endParaRPr lang="en-US" dirty="0"/>
           </a:p>
@@ -1425,7 +1425,7 @@
             <a:fld id="{B61BEF0D-F0BB-DE4B-95CE-6DB70DBA9567}" type="datetimeFigureOut">
               <a:rPr lang="en-US" dirty="0"/>
               <a:pPr/>
-              <a:t>9/12/2020</a:t>
+              <a:t>10/12/2020</a:t>
             </a:fld>
             <a:endParaRPr lang="en-US" dirty="0"/>
           </a:p>
@@ -1755,7 +1755,7 @@
             <a:fld id="{B61BEF0D-F0BB-DE4B-95CE-6DB70DBA9567}" type="datetimeFigureOut">
               <a:rPr lang="en-US" dirty="0"/>
               <a:pPr/>
-              <a:t>9/12/2020</a:t>
+              <a:t>10/12/2020</a:t>
             </a:fld>
             <a:endParaRPr lang="en-US" dirty="0"/>
           </a:p>
@@ -2066,7 +2066,7 @@
             <a:fld id="{B61BEF0D-F0BB-DE4B-95CE-6DB70DBA9567}" type="datetimeFigureOut">
               <a:rPr lang="en-US" dirty="0"/>
               <a:pPr/>
-              <a:t>9/12/2020</a:t>
+              <a:t>10/12/2020</a:t>
             </a:fld>
             <a:endParaRPr lang="en-US" dirty="0"/>
           </a:p>
@@ -2456,7 +2456,7 @@
             <a:fld id="{B61BEF0D-F0BB-DE4B-95CE-6DB70DBA9567}" type="datetimeFigureOut">
               <a:rPr lang="en-US" dirty="0"/>
               <a:pPr/>
-              <a:t>9/12/2020</a:t>
+              <a:t>10/12/2020</a:t>
             </a:fld>
             <a:endParaRPr lang="en-US" dirty="0"/>
           </a:p>
@@ -2622,7 +2622,7 @@
           <a:p>
             <a:fld id="{55C6B4A9-1611-4792-9094-5F34BCA07E0B}" type="datetimeFigureOut">
               <a:rPr lang="en-US" dirty="0"/>
-              <a:t>9/12/2020</a:t>
+              <a:t>10/12/2020</a:t>
             </a:fld>
             <a:endParaRPr lang="en-US" dirty="0"/>
           </a:p>
@@ -2798,7 +2798,7 @@
             <a:fld id="{B61BEF0D-F0BB-DE4B-95CE-6DB70DBA9567}" type="datetimeFigureOut">
               <a:rPr lang="en-US" dirty="0"/>
               <a:pPr/>
-              <a:t>9/12/2020</a:t>
+              <a:t>10/12/2020</a:t>
             </a:fld>
             <a:endParaRPr lang="en-US" dirty="0"/>
           </a:p>
@@ -2964,7 +2964,7 @@
           <a:p>
             <a:fld id="{42A54C80-263E-416B-A8E0-580EDEADCBDC}" type="datetimeFigureOut">
               <a:rPr lang="en-US" dirty="0"/>
-              <a:t>9/12/2020</a:t>
+              <a:t>10/12/2020</a:t>
             </a:fld>
             <a:endParaRPr lang="en-US" dirty="0"/>
           </a:p>
@@ -3207,7 +3207,7 @@
             <a:fld id="{B61BEF0D-F0BB-DE4B-95CE-6DB70DBA9567}" type="datetimeFigureOut">
               <a:rPr lang="en-US" dirty="0"/>
               <a:pPr/>
-              <a:t>9/12/2020</a:t>
+              <a:t>10/12/2020</a:t>
             </a:fld>
             <a:endParaRPr lang="en-US" dirty="0"/>
           </a:p>
@@ -3435,7 +3435,7 @@
           <a:p>
             <a:fld id="{42A54C80-263E-416B-A8E0-580EDEADCBDC}" type="datetimeFigureOut">
               <a:rPr lang="en-US" dirty="0"/>
-              <a:t>9/12/2020</a:t>
+              <a:t>10/12/2020</a:t>
             </a:fld>
             <a:endParaRPr lang="en-US" dirty="0"/>
           </a:p>
@@ -3805,7 +3805,7 @@
             <a:fld id="{B61BEF0D-F0BB-DE4B-95CE-6DB70DBA9567}" type="datetimeFigureOut">
               <a:rPr lang="en-US" dirty="0"/>
               <a:pPr/>
-              <a:t>9/12/2020</a:t>
+              <a:t>10/12/2020</a:t>
             </a:fld>
             <a:endParaRPr lang="en-US" dirty="0"/>
           </a:p>
@@ -3925,7 +3925,7 @@
             <a:fld id="{B61BEF0D-F0BB-DE4B-95CE-6DB70DBA9567}" type="datetimeFigureOut">
               <a:rPr lang="en-US" dirty="0"/>
               <a:pPr/>
-              <a:t>9/12/2020</a:t>
+              <a:t>10/12/2020</a:t>
             </a:fld>
             <a:endParaRPr lang="en-US" dirty="0"/>
           </a:p>
@@ -4017,7 +4017,7 @@
             <a:fld id="{B61BEF0D-F0BB-DE4B-95CE-6DB70DBA9567}" type="datetimeFigureOut">
               <a:rPr lang="en-US" dirty="0"/>
               <a:pPr/>
-              <a:t>9/12/2020</a:t>
+              <a:t>10/12/2020</a:t>
             </a:fld>
             <a:endParaRPr lang="en-US" dirty="0"/>
           </a:p>
@@ -4268,7 +4268,7 @@
           <a:p>
             <a:fld id="{42A54C80-263E-416B-A8E0-580EDEADCBDC}" type="datetimeFigureOut">
               <a:rPr lang="en-US" dirty="0"/>
-              <a:t>9/12/2020</a:t>
+              <a:t>10/12/2020</a:t>
             </a:fld>
             <a:endParaRPr lang="en-US" dirty="0"/>
           </a:p>
@@ -4570,7 +4570,7 @@
             <a:fld id="{B61BEF0D-F0BB-DE4B-95CE-6DB70DBA9567}" type="datetimeFigureOut">
               <a:rPr lang="en-US" dirty="0"/>
               <a:pPr/>
-              <a:t>9/12/2020</a:t>
+              <a:t>10/12/2020</a:t>
             </a:fld>
             <a:endParaRPr lang="en-US" dirty="0"/>
           </a:p>
@@ -5268,7 +5268,7 @@
             <a:fld id="{B61BEF0D-F0BB-DE4B-95CE-6DB70DBA9567}" type="datetimeFigureOut">
               <a:rPr lang="en-US" dirty="0"/>
               <a:pPr/>
-              <a:t>9/12/2020</a:t>
+              <a:t>10/12/2020</a:t>
             </a:fld>
             <a:endParaRPr lang="en-US" dirty="0"/>
           </a:p>
